--- a/19.11.06.SysML2_Roadmap.pptx
+++ b/19.11.06.SysML2_Roadmap.pptx
@@ -900,7 +900,7 @@
           <a:noFill/>
           <a:extLst>
             <a:ext uri="{909E8E84-426E-40dd-AFC4-6F175D3DCCD1}">
-              <a14:hiddenFill xmlns:a14="http://schemas.microsoft.com/office/drawing/2010/main" xmlns="">
+              <a14:hiddenFill xmlns="" xmlns:a14="http://schemas.microsoft.com/office/drawing/2010/main">
                 <a:solidFill>
                   <a:srgbClr val="FFFFFF"/>
                 </a:solidFill>
@@ -2505,7 +2505,7 @@
           <a:noFill/>
           <a:extLst>
             <a:ext uri="{909E8E84-426E-40dd-AFC4-6F175D3DCCD1}">
-              <a14:hiddenFill xmlns:a14="http://schemas.microsoft.com/office/drawing/2010/main" xmlns="">
+              <a14:hiddenFill xmlns="" xmlns:a14="http://schemas.microsoft.com/office/drawing/2010/main">
                 <a:solidFill>
                   <a:srgbClr val="FFFFFF"/>
                 </a:solidFill>
@@ -3146,7 +3146,7 @@
           <a:noFill/>
           <a:extLst>
             <a:ext uri="{909E8E84-426E-40dd-AFC4-6F175D3DCCD1}">
-              <a14:hiddenFill xmlns:a14="http://schemas.microsoft.com/office/drawing/2010/main" xmlns="">
+              <a14:hiddenFill xmlns="" xmlns:a14="http://schemas.microsoft.com/office/drawing/2010/main">
                 <a:solidFill>
                   <a:srgbClr val="FFFFFF"/>
                 </a:solidFill>
@@ -3579,7 +3579,7 @@
           <a:noFill/>
           <a:extLst>
             <a:ext uri="{909E8E84-426E-40dd-AFC4-6F175D3DCCD1}">
-              <a14:hiddenFill xmlns:a14="http://schemas.microsoft.com/office/drawing/2010/main" xmlns="">
+              <a14:hiddenFill xmlns="" xmlns:a14="http://schemas.microsoft.com/office/drawing/2010/main">
                 <a:solidFill>
                   <a:srgbClr val="FFFFFF"/>
                 </a:solidFill>
@@ -4412,7 +4412,7 @@
           <a:noFill/>
           <a:extLst>
             <a:ext uri="{909E8E84-426E-40dd-AFC4-6F175D3DCCD1}">
-              <a14:hiddenFill xmlns:a14="http://schemas.microsoft.com/office/drawing/2010/main" xmlns="">
+              <a14:hiddenFill xmlns="" xmlns:a14="http://schemas.microsoft.com/office/drawing/2010/main">
                 <a:solidFill>
                   <a:srgbClr val="FFFFFF"/>
                 </a:solidFill>
@@ -5170,7 +5170,7 @@
           <a:noFill/>
           <a:extLst>
             <a:ext uri="{909E8E84-426E-40dd-AFC4-6F175D3DCCD1}">
-              <a14:hiddenFill xmlns:a14="http://schemas.microsoft.com/office/drawing/2010/main" xmlns="">
+              <a14:hiddenFill xmlns="" xmlns:a14="http://schemas.microsoft.com/office/drawing/2010/main">
                 <a:solidFill>
                   <a:srgbClr val="FFFFFF"/>
                 </a:solidFill>
@@ -6608,15 +6608,7 @@
                   <a:srgbClr val="FFFFFF"/>
                 </a:solidFill>
               </a:rPr>
-              <a:t>(generelle) MC </a:t>
-            </a:r>
-            <a:r>
-              <a:rPr lang="de-DE" dirty="0" smtClean="0">
-                <a:solidFill>
-                  <a:srgbClr val="FFFFFF"/>
-                </a:solidFill>
-              </a:rPr>
-              <a:t>Grammatik (modular)</a:t>
+              <a:t>(generelle) MC Grammatik (modular)</a:t>
             </a:r>
             <a:endParaRPr lang="de-DE" dirty="0">
               <a:solidFill>
@@ -6771,15 +6763,7 @@
                   <a:schemeClr val="tx1"/>
                 </a:solidFill>
               </a:rPr>
-              <a:t>06.12</a:t>
-            </a:r>
-            <a:r>
-              <a:rPr lang="de-DE" dirty="0" smtClean="0">
-                <a:solidFill>
-                  <a:schemeClr val="tx1"/>
-                </a:solidFill>
-              </a:rPr>
-              <a:t>.</a:t>
+              <a:t>06.12.</a:t>
             </a:r>
             <a:endParaRPr lang="de-DE" dirty="0">
               <a:solidFill>
@@ -7053,7 +7037,7 @@
         <p:spPr>
           <a:xfrm>
             <a:off x="196563" y="3715711"/>
-            <a:ext cx="466794" cy="369332"/>
+            <a:ext cx="505267" cy="369332"/>
           </a:xfrm>
           <a:prstGeom prst="rect">
             <a:avLst/>
@@ -7068,7 +7052,7 @@
           <a:p>
             <a:r>
               <a:rPr lang="de-DE" dirty="0" smtClean="0"/>
-              <a:t>NJ</a:t>
+              <a:t>DS</a:t>
             </a:r>
             <a:endParaRPr lang="de-DE" dirty="0"/>
           </a:p>
